--- a/slides/04_moderators.pptx
+++ b/slides/04_moderators.pptx
@@ -226,7 +226,7 @@
           <a:p>
             <a:fld id="{A5B9E9DD-BE87-46D0-98E6-18D835742F3D}" type="datetimeFigureOut">
               <a:rPr lang="en-US" smtClean="0"/>
-              <a:t>3/8/22</a:t>
+              <a:t>3/7/23</a:t>
             </a:fld>
             <a:endParaRPr lang="en-US"/>
           </a:p>
@@ -2907,8 +2907,8 @@
           </a:p>
         </p:txBody>
       </p:sp>
-      <mc:AlternateContent xmlns:mc="http://schemas.openxmlformats.org/markup-compatibility/2006">
-        <mc:Choice xmlns:a14="http://schemas.microsoft.com/office/drawing/2010/main" Requires="a14">
+      <mc:AlternateContent xmlns:mc="http://schemas.openxmlformats.org/markup-compatibility/2006" xmlns:a14="http://schemas.microsoft.com/office/drawing/2010/main">
+        <mc:Choice Requires="a14">
           <p:sp>
             <p:nvSpPr>
               <p:cNvPr id="3" name="Content Placeholder 2">
@@ -3155,7 +3155,7 @@
             </p:txBody>
           </p:sp>
         </mc:Choice>
-        <mc:Fallback>
+        <mc:Fallback xmlns="">
           <p:sp>
             <p:nvSpPr>
               <p:cNvPr id="3" name="Content Placeholder 2">
@@ -3348,8 +3348,8 @@
           </a:p>
         </p:txBody>
       </p:sp>
-      <mc:AlternateContent xmlns:mc="http://schemas.openxmlformats.org/markup-compatibility/2006">
-        <mc:Choice xmlns:a14="http://schemas.microsoft.com/office/drawing/2010/main" Requires="a14">
+      <mc:AlternateContent xmlns:mc="http://schemas.openxmlformats.org/markup-compatibility/2006" xmlns:a14="http://schemas.microsoft.com/office/drawing/2010/main">
+        <mc:Choice Requires="a14">
           <p:sp>
             <p:nvSpPr>
               <p:cNvPr id="3" name="Content Placeholder 2">
@@ -3993,7 +3993,7 @@
             </p:txBody>
           </p:sp>
         </mc:Choice>
-        <mc:Fallback>
+        <mc:Fallback xmlns="">
           <p:sp>
             <p:nvSpPr>
               <p:cNvPr id="3" name="Content Placeholder 2">
@@ -4246,8 +4246,8 @@
           </a:p>
         </p:txBody>
       </p:sp>
-      <mc:AlternateContent xmlns:mc="http://schemas.openxmlformats.org/markup-compatibility/2006">
-        <mc:Choice xmlns:a14="http://schemas.microsoft.com/office/drawing/2010/main" Requires="a14">
+      <mc:AlternateContent xmlns:mc="http://schemas.openxmlformats.org/markup-compatibility/2006" xmlns:a14="http://schemas.microsoft.com/office/drawing/2010/main">
+        <mc:Choice Requires="a14">
           <p:sp>
             <p:nvSpPr>
               <p:cNvPr id="3" name="Content Placeholder 2">
@@ -4412,7 +4412,7 @@
             </p:txBody>
           </p:sp>
         </mc:Choice>
-        <mc:Fallback>
+        <mc:Fallback xmlns="">
           <p:sp>
             <p:nvSpPr>
               <p:cNvPr id="3" name="Content Placeholder 2">
@@ -4604,7 +4604,7 @@
             <a:pPr lvl="1"/>
             <a:r>
               <a:rPr lang="en-US" dirty="0"/>
-              <a:t> To treat numerical variables as categorical: </a:t>
+              <a:t>To treat numerical variables as categorical: </a:t>
             </a:r>
             <a:r>
               <a:rPr lang="en-US" dirty="0">
@@ -4810,69 +4810,77 @@
           <a:lstStyle/>
           <a:p>
             <a:r>
-              <a:rPr lang="en-US"/>
+              <a:rPr lang="en-US" dirty="0"/>
               <a:t>Meta-regression makes similar assumptions as any other regression model</a:t>
             </a:r>
           </a:p>
           <a:p>
             <a:pPr lvl="1"/>
             <a:r>
-              <a:rPr lang="en-US"/>
+              <a:rPr lang="en-US" dirty="0"/>
               <a:t>Linearity : Correct functional form between continuous predictors and response (e.g., linear, could also be polynomial, splines, etc.)</a:t>
             </a:r>
           </a:p>
           <a:p>
             <a:pPr lvl="1"/>
-            <a:endParaRPr lang="en-US"/>
+            <a:endParaRPr lang="en-US" dirty="0"/>
           </a:p>
           <a:p>
             <a:pPr lvl="1"/>
             <a:r>
-              <a:rPr lang="en-US"/>
+              <a:rPr lang="en-US" dirty="0"/>
               <a:t>Independence : Data points are independent of each other</a:t>
             </a:r>
           </a:p>
           <a:p>
             <a:pPr lvl="1"/>
-            <a:endParaRPr lang="en-US"/>
+            <a:endParaRPr lang="en-US" dirty="0"/>
           </a:p>
           <a:p>
             <a:pPr lvl="1"/>
             <a:r>
-              <a:rPr lang="en-US"/>
-              <a:t>Homogeneity of variance : τ is constant across groups/predictor levels</a:t>
+              <a:rPr lang="en-US" dirty="0"/>
+              <a:t>Homogeneity of variance : </a:t>
+            </a:r>
+            <a:r>
+              <a:rPr lang="en-US" dirty="0" err="1"/>
+              <a:t>τ</a:t>
+            </a:r>
+            <a:r>
+              <a:rPr lang="en-US" dirty="0"/>
+              <a:t> is constant across groups/predictor levels</a:t>
             </a:r>
           </a:p>
           <a:p>
             <a:pPr lvl="1"/>
-            <a:endParaRPr lang="en-US"/>
+            <a:endParaRPr lang="en-US" dirty="0"/>
           </a:p>
           <a:p>
             <a:pPr lvl="1"/>
             <a:r>
-              <a:rPr lang="en-US"/>
+              <a:rPr lang="en-US" dirty="0"/>
               <a:t>Normality of random effects : </a:t>
             </a:r>
             <a:r>
-              <a:rPr lang="en-US" i="1" err="1"/>
+              <a:rPr lang="en-US" i="1" dirty="0" err="1"/>
               <a:t>u</a:t>
             </a:r>
             <a:r>
-              <a:rPr lang="en-US" baseline="-25000" err="1"/>
+              <a:rPr lang="en-US" baseline="-25000" dirty="0" err="1"/>
               <a:t>i</a:t>
             </a:r>
             <a:r>
-              <a:rPr lang="en-US"/>
+              <a:rPr lang="en-US" dirty="0"/>
               <a:t> are normally distributed</a:t>
             </a:r>
           </a:p>
           <a:p>
             <a:pPr lvl="1"/>
-            <a:endParaRPr lang="en-US"/>
+            <a:endParaRPr lang="en-US" dirty="0"/>
           </a:p>
           <a:p>
             <a:pPr lvl="1"/>
-            <a:endParaRPr lang="en-US"/>
+            <a:endParaRPr lang="en-US" dirty="0"/>
           </a:p>
         </p:txBody>
       </p:sp>
@@ -7815,11 +7823,10 @@
         </p:nvSpPr>
         <p:spPr/>
         <p:txBody>
-          <a:bodyPr/>
+          <a:bodyPr>
+            <a:normAutofit/>
+          </a:bodyPr>
           <a:lstStyle/>
-          <a:p>
-            <a:endParaRPr lang="en-US" b="1" dirty="0"/>
-          </a:p>
           <a:p>
             <a:r>
               <a:rPr lang="en-US" b="1" dirty="0"/>
@@ -7828,6 +7835,13 @@
             <a:r>
               <a:rPr lang="en-US" dirty="0"/>
               <a:t> variables that may be associated with the size of the outcomes </a:t>
+            </a:r>
+          </a:p>
+          <a:p>
+            <a:pPr lvl="1"/>
+            <a:r>
+              <a:rPr lang="en-US" dirty="0"/>
+              <a:t>Individual participant data (IPD) meta-analysis can handle individual-level moderators</a:t>
             </a:r>
           </a:p>
           <a:p>
@@ -8188,7 +8202,7 @@
         <p:spPr/>
         <p:txBody>
           <a:bodyPr>
-            <a:normAutofit fontScale="90000"/>
+            <a:normAutofit/>
           </a:bodyPr>
           <a:lstStyle/>
           <a:p>
@@ -8199,8 +8213,8 @@
           </a:p>
         </p:txBody>
       </p:sp>
-      <mc:AlternateContent xmlns:mc="http://schemas.openxmlformats.org/markup-compatibility/2006" xmlns:a14="http://schemas.microsoft.com/office/drawing/2010/main">
-        <mc:Choice Requires="a14">
+      <mc:AlternateContent xmlns:mc="http://schemas.openxmlformats.org/markup-compatibility/2006">
+        <mc:Choice xmlns:a14="http://schemas.microsoft.com/office/drawing/2010/main" Requires="a14">
           <p:sp>
             <p:nvSpPr>
               <p:cNvPr id="3" name="Content Placeholder 2">
@@ -8331,12 +8345,31 @@
                         </a:rPr>
                         <m:t>=</m:t>
                       </m:r>
-                      <m:r>
-                        <a:rPr lang="en-US" b="0" i="1" smtClean="0">
-                          <a:latin typeface="Cambria Math" panose="02040503050406030204" pitchFamily="18" charset="0"/>
-                        </a:rPr>
-                        <m:t>𝜇</m:t>
-                      </m:r>
+                      <m:sSub>
+                        <m:sSubPr>
+                          <m:ctrlPr>
+                            <a:rPr lang="en-US" b="0" i="1" smtClean="0">
+                              <a:latin typeface="Cambria Math" panose="02040503050406030204" pitchFamily="18" charset="0"/>
+                            </a:rPr>
+                          </m:ctrlPr>
+                        </m:sSubPr>
+                        <m:e>
+                          <m:r>
+                            <a:rPr lang="en-US" b="0" i="1" smtClean="0">
+                              <a:latin typeface="Cambria Math" panose="02040503050406030204" pitchFamily="18" charset="0"/>
+                            </a:rPr>
+                            <m:t>𝜇</m:t>
+                          </m:r>
+                        </m:e>
+                        <m:sub>
+                          <m:r>
+                            <a:rPr lang="en-US" b="0" i="1" smtClean="0">
+                              <a:latin typeface="Cambria Math" panose="02040503050406030204" pitchFamily="18" charset="0"/>
+                            </a:rPr>
+                            <m:t>𝑖</m:t>
+                          </m:r>
+                        </m:sub>
+                      </m:sSub>
                       <m:r>
                         <a:rPr lang="en-US" b="0" i="1" smtClean="0">
                           <a:latin typeface="Cambria Math" panose="02040503050406030204" pitchFamily="18" charset="0"/>
@@ -9084,7 +9117,7 @@
             </p:txBody>
           </p:sp>
         </mc:Choice>
-        <mc:Fallback xmlns="">
+        <mc:Fallback>
           <p:sp>
             <p:nvSpPr>
               <p:cNvPr id="3" name="Content Placeholder 2">
@@ -9347,8 +9380,8 @@
           <a:chExt cx="0" cy="0"/>
         </a:xfrm>
       </p:grpSpPr>
-      <mc:AlternateContent xmlns:mc="http://schemas.openxmlformats.org/markup-compatibility/2006">
-        <mc:Choice xmlns:a14="http://schemas.microsoft.com/office/drawing/2010/main" Requires="a14">
+      <mc:AlternateContent xmlns:mc="http://schemas.openxmlformats.org/markup-compatibility/2006" xmlns:a14="http://schemas.microsoft.com/office/drawing/2010/main">
+        <mc:Choice Requires="a14">
           <p:sp>
             <p:nvSpPr>
               <p:cNvPr id="3" name="Title 2">
@@ -9411,7 +9444,7 @@
             </p:txBody>
           </p:sp>
         </mc:Choice>
-        <mc:Fallback>
+        <mc:Fallback xmlns="">
           <p:sp>
             <p:nvSpPr>
               <p:cNvPr id="3" name="Title 2">
@@ -9451,8 +9484,8 @@
           </p:sp>
         </mc:Fallback>
       </mc:AlternateContent>
-      <mc:AlternateContent xmlns:mc="http://schemas.openxmlformats.org/markup-compatibility/2006">
-        <mc:Choice xmlns:a14="http://schemas.microsoft.com/office/drawing/2010/main" Requires="a14">
+      <mc:AlternateContent xmlns:mc="http://schemas.openxmlformats.org/markup-compatibility/2006" xmlns:a14="http://schemas.microsoft.com/office/drawing/2010/main">
+        <mc:Choice Requires="a14">
           <p:sp>
             <p:nvSpPr>
               <p:cNvPr id="4" name="Content Placeholder 3">
@@ -9521,7 +9554,7 @@
             </p:txBody>
           </p:sp>
         </mc:Choice>
-        <mc:Fallback>
+        <mc:Fallback xmlns="">
           <p:sp>
             <p:nvSpPr>
               <p:cNvPr id="4" name="Content Placeholder 3">
@@ -10169,12 +10202,6 @@
 </file>
 
 <file path=customXml/item2.xml><?xml version="1.0" encoding="utf-8"?>
-<p:properties xmlns:p="http://schemas.microsoft.com/office/2006/metadata/properties" xmlns:xsi="http://www.w3.org/2001/XMLSchema-instance" xmlns:pc="http://schemas.microsoft.com/office/infopath/2007/PartnerControls">
-  <documentManagement/>
-</p:properties>
-</file>
-
-<file path=customXml/item3.xml><?xml version="1.0" encoding="utf-8"?>
 <ct:contentTypeSchema xmlns:ct="http://schemas.microsoft.com/office/2006/metadata/contentType" xmlns:ma="http://schemas.microsoft.com/office/2006/metadata/properties/metaAttributes" ct:_="" ma:_="" ma:contentTypeName="Document" ma:contentTypeID="0x010100C510C8780454A64385BF21049B1850C5" ma:contentTypeVersion="7" ma:contentTypeDescription="Create a new document." ma:contentTypeScope="" ma:versionID="47a68a81adc4e0e7972bb95a1a99f0b4">
   <xsd:schema xmlns:xsd="http://www.w3.org/2001/XMLSchema" xmlns:xs="http://www.w3.org/2001/XMLSchema" xmlns:p="http://schemas.microsoft.com/office/2006/metadata/properties" xmlns:ns2="d0331357-42e6-4e40-bf0a-1c2f9464db1b" targetNamespace="http://schemas.microsoft.com/office/2006/metadata/properties" ma:root="true" ma:fieldsID="01ec8d09ee7b5b75bd0cb813fd513e00" ns2:_="">
     <xsd:import namespace="d0331357-42e6-4e40-bf0a-1c2f9464db1b"/>
@@ -10338,6 +10365,12 @@
 </ct:contentTypeSchema>
 </file>
 
+<file path=customXml/item3.xml><?xml version="1.0" encoding="utf-8"?>
+<p:properties xmlns:p="http://schemas.microsoft.com/office/2006/metadata/properties" xmlns:xsi="http://www.w3.org/2001/XMLSchema-instance" xmlns:pc="http://schemas.microsoft.com/office/infopath/2007/PartnerControls">
+  <documentManagement/>
+</p:properties>
+</file>
+
 <file path=customXml/itemProps1.xml><?xml version="1.0" encoding="utf-8"?>
 <ds:datastoreItem xmlns:ds="http://schemas.openxmlformats.org/officeDocument/2006/customXml" ds:itemID="{65F011C9-6572-4E3B-BA4C-E687532965A9}">
   <ds:schemaRefs>
@@ -10347,22 +10380,6 @@
 </file>
 
 <file path=customXml/itemProps2.xml><?xml version="1.0" encoding="utf-8"?>
-<ds:datastoreItem xmlns:ds="http://schemas.openxmlformats.org/officeDocument/2006/customXml" ds:itemID="{11197415-BC9D-4352-8615-FFE6194E5163}">
-  <ds:schemaRefs>
-    <ds:schemaRef ds:uri="http://schemas.microsoft.com/office/2006/documentManagement/types"/>
-    <ds:schemaRef ds:uri="http://purl.org/dc/elements/1.1/"/>
-    <ds:schemaRef ds:uri="http://schemas.microsoft.com/office/2006/metadata/properties"/>
-    <ds:schemaRef ds:uri="d0331357-42e6-4e40-bf0a-1c2f9464db1b"/>
-    <ds:schemaRef ds:uri="http://www.w3.org/XML/1998/namespace"/>
-    <ds:schemaRef ds:uri="http://purl.org/dc/terms/"/>
-    <ds:schemaRef ds:uri="http://purl.org/dc/dcmitype/"/>
-    <ds:schemaRef ds:uri="http://schemas.microsoft.com/office/infopath/2007/PartnerControls"/>
-    <ds:schemaRef ds:uri="http://schemas.openxmlformats.org/package/2006/metadata/core-properties"/>
-  </ds:schemaRefs>
-</ds:datastoreItem>
-</file>
-
-<file path=customXml/itemProps3.xml><?xml version="1.0" encoding="utf-8"?>
 <ds:datastoreItem xmlns:ds="http://schemas.openxmlformats.org/officeDocument/2006/customXml" ds:itemID="{8E01F417-FF7B-490D-BC83-D2E21BA12BB0}">
   <ds:schemaRefs>
     <ds:schemaRef ds:uri="d0331357-42e6-4e40-bf0a-1c2f9464db1b"/>
@@ -10378,4 +10395,20 @@
     <ds:schemaRef ds:uri="http://www.w3.org/2001/XMLSchema"/>
   </ds:schemaRefs>
 </ds:datastoreItem>
+</file>
+
+<file path=customXml/itemProps3.xml><?xml version="1.0" encoding="utf-8"?>
+<ds:datastoreItem xmlns:ds="http://schemas.openxmlformats.org/officeDocument/2006/customXml" ds:itemID="{11197415-BC9D-4352-8615-FFE6194E5163}">
+  <ds:schemaRefs>
+    <ds:schemaRef ds:uri="http://schemas.microsoft.com/office/2006/documentManagement/types"/>
+    <ds:schemaRef ds:uri="http://purl.org/dc/elements/1.1/"/>
+    <ds:schemaRef ds:uri="http://schemas.microsoft.com/office/2006/metadata/properties"/>
+    <ds:schemaRef ds:uri="d0331357-42e6-4e40-bf0a-1c2f9464db1b"/>
+    <ds:schemaRef ds:uri="http://www.w3.org/XML/1998/namespace"/>
+    <ds:schemaRef ds:uri="http://purl.org/dc/terms/"/>
+    <ds:schemaRef ds:uri="http://purl.org/dc/dcmitype/"/>
+    <ds:schemaRef ds:uri="http://schemas.microsoft.com/office/infopath/2007/PartnerControls"/>
+    <ds:schemaRef ds:uri="http://schemas.openxmlformats.org/package/2006/metadata/core-properties"/>
+  </ds:schemaRefs>
+</ds:datastoreItem>
 </file>